--- a/Project 2.pptx
+++ b/Project 2.pptx
@@ -108,6 +108,11 @@
       </a:defRPr>
     </a:lvl9pPr>
   </p:defaultTextStyle>
+  <p:extLst>
+    <p:ext uri="{EFAFB233-063F-42B5-8137-9DF3F51BA10A}">
+      <p15:sldGuideLst xmlns:p15="http://schemas.microsoft.com/office/powerpoint/2012/main"/>
+    </p:ext>
+  </p:extLst>
 </p:presentation>
 </file>
 
@@ -250,7 +255,7 @@
           <a:p>
             <a:fld id="{48A87A34-81AB-432B-8DAE-1953F412C126}" type="datetimeFigureOut">
               <a:rPr lang="en-US" dirty="0"/>
-              <a:t>12/11/2019</a:t>
+              <a:t>12/12/2019</a:t>
             </a:fld>
             <a:endParaRPr lang="en-US" dirty="0"/>
           </a:p>
@@ -425,7 +430,7 @@
           <a:p>
             <a:fld id="{48A87A34-81AB-432B-8DAE-1953F412C126}" type="datetimeFigureOut">
               <a:rPr lang="en-US" dirty="0"/>
-              <a:t>12/11/2019</a:t>
+              <a:t>12/12/2019</a:t>
             </a:fld>
             <a:endParaRPr lang="en-US" dirty="0"/>
           </a:p>
@@ -604,7 +609,7 @@
           <a:p>
             <a:fld id="{48A87A34-81AB-432B-8DAE-1953F412C126}" type="datetimeFigureOut">
               <a:rPr lang="en-US" dirty="0"/>
-              <a:t>12/11/2019</a:t>
+              <a:t>12/12/2019</a:t>
             </a:fld>
             <a:endParaRPr lang="en-US" dirty="0"/>
           </a:p>
@@ -769,7 +774,7 @@
           <a:p>
             <a:fld id="{48A87A34-81AB-432B-8DAE-1953F412C126}" type="datetimeFigureOut">
               <a:rPr lang="en-US" dirty="0"/>
-              <a:t>12/11/2019</a:t>
+              <a:t>12/12/2019</a:t>
             </a:fld>
             <a:endParaRPr lang="en-US" dirty="0"/>
           </a:p>
@@ -1012,7 +1017,7 @@
           <a:p>
             <a:fld id="{48A87A34-81AB-432B-8DAE-1953F412C126}" type="datetimeFigureOut">
               <a:rPr lang="en-US" dirty="0"/>
-              <a:t>12/11/2019</a:t>
+              <a:t>12/12/2019</a:t>
             </a:fld>
             <a:endParaRPr lang="en-US" dirty="0"/>
           </a:p>
@@ -1244,7 +1249,7 @@
           <a:p>
             <a:fld id="{48A87A34-81AB-432B-8DAE-1953F412C126}" type="datetimeFigureOut">
               <a:rPr lang="en-US" dirty="0"/>
-              <a:t>12/11/2019</a:t>
+              <a:t>12/12/2019</a:t>
             </a:fld>
             <a:endParaRPr lang="en-US" dirty="0"/>
           </a:p>
@@ -1624,7 +1629,7 @@
           <a:p>
             <a:fld id="{48A87A34-81AB-432B-8DAE-1953F412C126}" type="datetimeFigureOut">
               <a:rPr lang="en-US" dirty="0"/>
-              <a:t>12/11/2019</a:t>
+              <a:t>12/12/2019</a:t>
             </a:fld>
             <a:endParaRPr lang="en-US" dirty="0"/>
           </a:p>
@@ -1737,7 +1742,7 @@
           <a:p>
             <a:fld id="{48A87A34-81AB-432B-8DAE-1953F412C126}" type="datetimeFigureOut">
               <a:rPr lang="en-US" dirty="0"/>
-              <a:t>12/11/2019</a:t>
+              <a:t>12/12/2019</a:t>
             </a:fld>
             <a:endParaRPr lang="en-US" dirty="0"/>
           </a:p>
@@ -1827,7 +1832,7 @@
           <a:p>
             <a:fld id="{48A87A34-81AB-432B-8DAE-1953F412C126}" type="datetimeFigureOut">
               <a:rPr lang="en-US" dirty="0"/>
-              <a:t>12/11/2019</a:t>
+              <a:t>12/12/2019</a:t>
             </a:fld>
             <a:endParaRPr lang="en-US" dirty="0"/>
           </a:p>
@@ -2073,7 +2078,7 @@
           <a:p>
             <a:fld id="{48A87A34-81AB-432B-8DAE-1953F412C126}" type="datetimeFigureOut">
               <a:rPr lang="en-US" dirty="0"/>
-              <a:t>12/11/2019</a:t>
+              <a:t>12/12/2019</a:t>
             </a:fld>
             <a:endParaRPr lang="en-US" dirty="0"/>
           </a:p>
@@ -2460,7 +2465,7 @@
             <a:fld id="{48A87A34-81AB-432B-8DAE-1953F412C126}" type="datetimeFigureOut">
               <a:rPr lang="en-US" dirty="0"/>
               <a:pPr/>
-              <a:t>12/11/2019</a:t>
+              <a:t>12/12/2019</a:t>
             </a:fld>
             <a:endParaRPr lang="en-US" dirty="0"/>
           </a:p>
@@ -2674,7 +2679,7 @@
             <a:fld id="{48A87A34-81AB-432B-8DAE-1953F412C126}" type="datetimeFigureOut">
               <a:rPr lang="en-US" dirty="0"/>
               <a:pPr/>
-              <a:t>12/11/2019</a:t>
+              <a:t>12/12/2019</a:t>
             </a:fld>
             <a:endParaRPr lang="en-US" dirty="0"/>
           </a:p>
@@ -3475,31 +3480,35 @@
           </a:p>
         </p:txBody>
       </p:sp>
-      <p:sp>
-        <p:nvSpPr>
-          <p:cNvPr id="3" name="Content Placeholder 2">
+      <p:pic>
+        <p:nvPicPr>
+          <p:cNvPr id="5" name="Content Placeholder 4">
             <a:extLst>
               <a:ext uri="{FF2B5EF4-FFF2-40B4-BE49-F238E27FC236}">
-                <a16:creationId xmlns:a16="http://schemas.microsoft.com/office/drawing/2014/main" id="{B782B911-94E0-4245-AE9D-BB76B93492E6}"/>
+                <a16:creationId xmlns:a16="http://schemas.microsoft.com/office/drawing/2014/main" id="{8373B4EC-C54A-4A72-9568-1F06BE5334AF}"/>
               </a:ext>
             </a:extLst>
           </p:cNvPr>
-          <p:cNvSpPr>
-            <a:spLocks noGrp="1"/>
-          </p:cNvSpPr>
+          <p:cNvPicPr>
+            <a:picLocks noGrp="1" noChangeAspect="1"/>
+          </p:cNvPicPr>
           <p:nvPr>
             <p:ph idx="1"/>
           </p:nvPr>
-        </p:nvSpPr>
-        <p:spPr/>
-        <p:txBody>
-          <a:bodyPr/>
-          <a:lstStyle/>
-          <a:p>
-            <a:endParaRPr lang="en-US"/>
-          </a:p>
-        </p:txBody>
-      </p:sp>
+        </p:nvPicPr>
+        <p:blipFill>
+          <a:blip r:embed="rId2"/>
+          <a:stretch>
+            <a:fillRect/>
+          </a:stretch>
+        </p:blipFill>
+        <p:spPr>
+          <a:xfrm>
+            <a:off x="1928404" y="1907442"/>
+            <a:ext cx="8335191" cy="4146039"/>
+          </a:xfrm>
+        </p:spPr>
+      </p:pic>
     </p:spTree>
     <p:extLst>
       <p:ext uri="{BB962C8B-B14F-4D97-AF65-F5344CB8AC3E}">
@@ -3558,31 +3567,35 @@
           </a:p>
         </p:txBody>
       </p:sp>
-      <p:sp>
-        <p:nvSpPr>
-          <p:cNvPr id="3" name="Content Placeholder 2">
+      <p:pic>
+        <p:nvPicPr>
+          <p:cNvPr id="5" name="Content Placeholder 4">
             <a:extLst>
               <a:ext uri="{FF2B5EF4-FFF2-40B4-BE49-F238E27FC236}">
-                <a16:creationId xmlns:a16="http://schemas.microsoft.com/office/drawing/2014/main" id="{CAE8F4AA-7E9E-42EC-8019-D531C0E4EBC7}"/>
+                <a16:creationId xmlns:a16="http://schemas.microsoft.com/office/drawing/2014/main" id="{FD83BC21-2A50-4FCE-A3E7-61C90EAD07D9}"/>
               </a:ext>
             </a:extLst>
           </p:cNvPr>
-          <p:cNvSpPr>
-            <a:spLocks noGrp="1"/>
-          </p:cNvSpPr>
+          <p:cNvPicPr>
+            <a:picLocks noGrp="1" noChangeAspect="1"/>
+          </p:cNvPicPr>
           <p:nvPr>
             <p:ph idx="1"/>
           </p:nvPr>
-        </p:nvSpPr>
-        <p:spPr/>
-        <p:txBody>
-          <a:bodyPr/>
-          <a:lstStyle/>
-          <a:p>
-            <a:endParaRPr lang="en-US"/>
-          </a:p>
-        </p:txBody>
-      </p:sp>
+        </p:nvPicPr>
+        <p:blipFill>
+          <a:blip r:embed="rId2"/>
+          <a:stretch>
+            <a:fillRect/>
+          </a:stretch>
+        </p:blipFill>
+        <p:spPr>
+          <a:xfrm>
+            <a:off x="3551758" y="1672176"/>
+            <a:ext cx="5088483" cy="4622573"/>
+          </a:xfrm>
+        </p:spPr>
+      </p:pic>
     </p:spTree>
     <p:extLst>
       <p:ext uri="{BB962C8B-B14F-4D97-AF65-F5344CB8AC3E}">
@@ -3641,31 +3654,35 @@
           </a:p>
         </p:txBody>
       </p:sp>
-      <p:sp>
-        <p:nvSpPr>
-          <p:cNvPr id="3" name="Content Placeholder 2">
+      <p:pic>
+        <p:nvPicPr>
+          <p:cNvPr id="5" name="Content Placeholder 4">
             <a:extLst>
               <a:ext uri="{FF2B5EF4-FFF2-40B4-BE49-F238E27FC236}">
-                <a16:creationId xmlns:a16="http://schemas.microsoft.com/office/drawing/2014/main" id="{F5C2E37F-CDD2-4F6E-905F-BBCB20CFFD39}"/>
+                <a16:creationId xmlns:a16="http://schemas.microsoft.com/office/drawing/2014/main" id="{94CF88F7-3871-44D1-8F50-AFED11225FC1}"/>
               </a:ext>
             </a:extLst>
           </p:cNvPr>
-          <p:cNvSpPr>
-            <a:spLocks noGrp="1"/>
-          </p:cNvSpPr>
+          <p:cNvPicPr>
+            <a:picLocks noGrp="1" noChangeAspect="1"/>
+          </p:cNvPicPr>
           <p:nvPr>
             <p:ph idx="1"/>
           </p:nvPr>
-        </p:nvSpPr>
-        <p:spPr/>
-        <p:txBody>
-          <a:bodyPr/>
-          <a:lstStyle/>
-          <a:p>
-            <a:endParaRPr lang="en-US"/>
-          </a:p>
-        </p:txBody>
-      </p:sp>
+        </p:nvPicPr>
+        <p:blipFill>
+          <a:blip r:embed="rId2"/>
+          <a:stretch>
+            <a:fillRect/>
+          </a:stretch>
+        </p:blipFill>
+        <p:spPr>
+          <a:xfrm>
+            <a:off x="3290396" y="1853754"/>
+            <a:ext cx="5611207" cy="4621448"/>
+          </a:xfrm>
+        </p:spPr>
+      </p:pic>
     </p:spTree>
     <p:extLst>
       <p:ext uri="{BB962C8B-B14F-4D97-AF65-F5344CB8AC3E}">
